--- a/_draft/logo_design.pptx
+++ b/_draft/logo_design.pptx
@@ -3005,7 +3005,7 @@
               <a:avLst/>
             </a:prstGeom>
             <a:solidFill>
-              <a:srgbClr val="212121"/>
+              <a:srgbClr val="333333"/>
             </a:solidFill>
             <a:ln>
               <a:noFill/>

--- a/_draft/logo_design.pptx
+++ b/_draft/logo_design.pptx
@@ -104,6 +104,11 @@
       </a:defRPr>
     </a:lvl9pPr>
   </p:defaultTextStyle>
+  <p:extLst>
+    <p:ext uri="{EFAFB233-063F-42B5-8137-9DF3F51BA10A}">
+      <p15:sldGuideLst xmlns:p15="http://schemas.microsoft.com/office/powerpoint/2012/main"/>
+    </p:ext>
+  </p:extLst>
 </p:presentation>
 </file>
 
@@ -2984,10 +2989,10 @@
         </p:nvGrpSpPr>
         <p:grpSpPr>
           <a:xfrm>
-            <a:off x="1058074" y="166722"/>
-            <a:ext cx="1161904" cy="838091"/>
-            <a:chOff x="2389041" y="1165491"/>
-            <a:chExt cx="1474898" cy="1062700"/>
+            <a:off x="162917" y="37800"/>
+            <a:ext cx="1456812" cy="1110260"/>
+            <a:chOff x="2440785" y="1230633"/>
+            <a:chExt cx="1211556" cy="917974"/>
           </a:xfrm>
         </p:grpSpPr>
         <p:sp>
@@ -2998,8 +3003,8 @@
           </p:nvSpPr>
           <p:spPr>
             <a:xfrm>
-              <a:off x="2524125" y="1333851"/>
-              <a:ext cx="1233200" cy="695158"/>
+              <a:off x="2524126" y="1333852"/>
+              <a:ext cx="1063825" cy="649200"/>
             </a:xfrm>
             <a:prstGeom prst="rect">
               <a:avLst/>
@@ -3049,8 +3054,8 @@
           </p:nvSpPr>
           <p:spPr>
             <a:xfrm>
-              <a:off x="2865592" y="1408234"/>
-              <a:ext cx="602714" cy="819548"/>
+              <a:off x="2826044" y="1461531"/>
+              <a:ext cx="476196" cy="687076"/>
             </a:xfrm>
             <a:prstGeom prst="rect">
               <a:avLst/>
@@ -3063,7 +3068,7 @@
             <a:lstStyle/>
             <a:p>
               <a:r>
-                <a:rPr lang="en-US" altLang="ko-KR" sz="3600" b="1" dirty="0">
+                <a:rPr lang="en-US" altLang="ko-KR" sz="4800" b="1" dirty="0">
                   <a:solidFill>
                     <a:srgbClr val="4CC2BF"/>
                   </a:solidFill>
@@ -3072,7 +3077,7 @@
                 </a:rPr>
                 <a:t>E</a:t>
               </a:r>
-              <a:endParaRPr lang="ko-KR" altLang="en-US" sz="3600" b="1">
+              <a:endParaRPr lang="ko-KR" altLang="en-US" sz="4800" b="1">
                 <a:solidFill>
                   <a:srgbClr val="4CC2BF"/>
                 </a:solidFill>
@@ -3088,8 +3093,8 @@
           </p:nvSpPr>
           <p:spPr>
             <a:xfrm>
-              <a:off x="3196110" y="1408643"/>
-              <a:ext cx="667829" cy="819548"/>
+              <a:off x="3118820" y="1461531"/>
+              <a:ext cx="533521" cy="687076"/>
             </a:xfrm>
             <a:prstGeom prst="rect">
               <a:avLst/>
@@ -3102,7 +3107,7 @@
             <a:lstStyle/>
             <a:p>
               <a:r>
-                <a:rPr lang="en-US" altLang="ko-KR" sz="3600" b="1" dirty="0">
+                <a:rPr lang="en-US" altLang="ko-KR" sz="4800" b="1" dirty="0">
                   <a:solidFill>
                     <a:srgbClr val="4CC2BF"/>
                   </a:solidFill>
@@ -3110,7 +3115,7 @@
                 </a:rPr>
                 <a:t>A</a:t>
               </a:r>
-              <a:endParaRPr lang="ko-KR" altLang="en-US" sz="3600" b="1">
+              <a:endParaRPr lang="ko-KR" altLang="en-US" sz="4800" b="1">
                 <a:solidFill>
                   <a:srgbClr val="4CC2BF"/>
                 </a:solidFill>
@@ -3126,8 +3131,8 @@
           </p:nvSpPr>
           <p:spPr>
             <a:xfrm>
-              <a:off x="2389041" y="1165491"/>
-              <a:ext cx="755326" cy="819548"/>
+              <a:off x="2440785" y="1230633"/>
+              <a:ext cx="609510" cy="687076"/>
             </a:xfrm>
             <a:prstGeom prst="rect">
               <a:avLst/>
@@ -3140,7 +3145,7 @@
             <a:lstStyle/>
             <a:p>
               <a:r>
-                <a:rPr lang="en-US" altLang="ko-KR" sz="3600" b="1" dirty="0">
+                <a:rPr lang="en-US" altLang="ko-KR" sz="4800" b="1" dirty="0">
                   <a:solidFill>
                     <a:srgbClr val="4CC2BF"/>
                   </a:solidFill>
@@ -3149,11 +3154,34 @@
                 </a:rPr>
                 <a:t>id</a:t>
               </a:r>
-              <a:endParaRPr lang="ko-KR" altLang="en-US" sz="3600"/>
+              <a:endParaRPr lang="ko-KR" altLang="en-US" sz="4800"/>
             </a:p>
           </p:txBody>
         </p:sp>
       </p:grpSp>
+      <p:pic>
+        <p:nvPicPr>
+          <p:cNvPr id="2" name="그림 1"/>
+          <p:cNvPicPr>
+            <a:picLocks noChangeAspect="1"/>
+          </p:cNvPicPr>
+          <p:nvPr/>
+        </p:nvPicPr>
+        <p:blipFill rotWithShape="1">
+          <a:blip r:embed="rId2"/>
+          <a:srcRect l="19525" t="18455" r="17627" b="32784"/>
+          <a:stretch/>
+        </p:blipFill>
+        <p:spPr>
+          <a:xfrm>
+            <a:off x="1866999" y="427357"/>
+            <a:ext cx="1260583" cy="763989"/>
+          </a:xfrm>
+          <a:prstGeom prst="rect">
+            <a:avLst/>
+          </a:prstGeom>
+        </p:spPr>
+      </p:pic>
     </p:spTree>
     <p:extLst>
       <p:ext uri="{BB962C8B-B14F-4D97-AF65-F5344CB8AC3E}">
